--- a/Presentation.pptx
+++ b/Presentation.pptx
@@ -4919,8 +4919,13 @@
           <a:p>
             <a:r>
               <a:rPr lang="en-US" dirty="0" smtClean="0"/>
-              <a:t>Light weight REST API’s rather than Parse DB.</a:t>
-            </a:r>
+              <a:t>Light weight </a:t>
+            </a:r>
+            <a:r>
+              <a:rPr lang="en-US" smtClean="0"/>
+              <a:t>REST API’s.</a:t>
+            </a:r>
+            <a:endParaRPr lang="en-US" dirty="0" smtClean="0"/>
           </a:p>
           <a:p>
             <a:r>
